--- a/CV/Cenz_WongTszHo_Resume_20200508.pptx
+++ b/CV/Cenz_WongTszHo_Resume_20200508.pptx
@@ -15751,6 +15751,55 @@
           </a:p>
         </p:txBody>
       </p:sp>
+      <p:sp>
+        <p:nvSpPr>
+          <p:cNvPr id="31" name="矩形 30">
+            <a:hlinkClick r:id="rId14"/>
+            <a:extLst>
+              <a:ext uri="{FF2B5EF4-FFF2-40B4-BE49-F238E27FC236}">
+                <a16:creationId xmlns:a16="http://schemas.microsoft.com/office/drawing/2014/main" id="{A9A256B6-93D9-41ED-951D-603017C2D9EA}"/>
+              </a:ext>
+            </a:extLst>
+          </p:cNvPr>
+          <p:cNvSpPr/>
+          <p:nvPr/>
+        </p:nvSpPr>
+        <p:spPr>
+          <a:xfrm>
+            <a:off x="471487" y="9617174"/>
+            <a:ext cx="1647941" cy="198417"/>
+          </a:xfrm>
+          <a:prstGeom prst="rect">
+            <a:avLst/>
+          </a:prstGeom>
+          <a:noFill/>
+          <a:ln>
+            <a:noFill/>
+          </a:ln>
+        </p:spPr>
+        <p:style>
+          <a:lnRef idx="2">
+            <a:schemeClr val="dk1"/>
+          </a:lnRef>
+          <a:fillRef idx="1">
+            <a:schemeClr val="lt1"/>
+          </a:fillRef>
+          <a:effectRef idx="0">
+            <a:schemeClr val="dk1"/>
+          </a:effectRef>
+          <a:fontRef idx="minor">
+            <a:schemeClr val="dk1"/>
+          </a:fontRef>
+        </p:style>
+        <p:txBody>
+          <a:bodyPr rtlCol="0" anchor="ctr"/>
+          <a:lstStyle/>
+          <a:p>
+            <a:pPr algn="ctr"/>
+            <a:endParaRPr lang="en-US"/>
+          </a:p>
+        </p:txBody>
+      </p:sp>
     </p:spTree>
     <p:extLst>
       <p:ext uri="{BB962C8B-B14F-4D97-AF65-F5344CB8AC3E}">
@@ -17936,6 +17985,55 @@
           </a:p>
         </p:txBody>
       </p:sp>
+      <p:sp>
+        <p:nvSpPr>
+          <p:cNvPr id="11" name="矩形 10">
+            <a:hlinkClick r:id="rId14"/>
+            <a:extLst>
+              <a:ext uri="{FF2B5EF4-FFF2-40B4-BE49-F238E27FC236}">
+                <a16:creationId xmlns:a16="http://schemas.microsoft.com/office/drawing/2014/main" id="{8AB4D6E9-C496-428B-8511-B1804BEB4B72}"/>
+              </a:ext>
+            </a:extLst>
+          </p:cNvPr>
+          <p:cNvSpPr/>
+          <p:nvPr/>
+        </p:nvSpPr>
+        <p:spPr>
+          <a:xfrm>
+            <a:off x="471487" y="9617174"/>
+            <a:ext cx="1647941" cy="198417"/>
+          </a:xfrm>
+          <a:prstGeom prst="rect">
+            <a:avLst/>
+          </a:prstGeom>
+          <a:noFill/>
+          <a:ln>
+            <a:noFill/>
+          </a:ln>
+        </p:spPr>
+        <p:style>
+          <a:lnRef idx="2">
+            <a:schemeClr val="dk1"/>
+          </a:lnRef>
+          <a:fillRef idx="1">
+            <a:schemeClr val="lt1"/>
+          </a:fillRef>
+          <a:effectRef idx="0">
+            <a:schemeClr val="dk1"/>
+          </a:effectRef>
+          <a:fontRef idx="minor">
+            <a:schemeClr val="dk1"/>
+          </a:fontRef>
+        </p:style>
+        <p:txBody>
+          <a:bodyPr rtlCol="0" anchor="ctr"/>
+          <a:lstStyle/>
+          <a:p>
+            <a:pPr algn="ctr"/>
+            <a:endParaRPr lang="en-US"/>
+          </a:p>
+        </p:txBody>
+      </p:sp>
     </p:spTree>
     <p:extLst>
       <p:ext uri="{BB962C8B-B14F-4D97-AF65-F5344CB8AC3E}">
